--- a/docs/lessons/1.3-mth391-cloud-computing/r-studio-r-scripting.pptx
+++ b/docs/lessons/1.3-mth391-cloud-computing/r-studio-r-scripting.pptx
@@ -243,7 +243,7 @@
           <a:p>
             <a:fld id="{4AEAE896-FE0A-44A7-8C3D-0612BC5F150D}" type="datetimeFigureOut">
               <a:rPr lang="en-US" smtClean="0"/>
-              <a:t>1/17/2025</a:t>
+              <a:t>1/20/2025</a:t>
             </a:fld>
             <a:endParaRPr lang="en-US"/>
           </a:p>
@@ -413,7 +413,7 @@
           <a:p>
             <a:fld id="{4AEAE896-FE0A-44A7-8C3D-0612BC5F150D}" type="datetimeFigureOut">
               <a:rPr lang="en-US" smtClean="0"/>
-              <a:t>1/17/2025</a:t>
+              <a:t>1/20/2025</a:t>
             </a:fld>
             <a:endParaRPr lang="en-US"/>
           </a:p>
@@ -593,7 +593,7 @@
           <a:p>
             <a:fld id="{4AEAE896-FE0A-44A7-8C3D-0612BC5F150D}" type="datetimeFigureOut">
               <a:rPr lang="en-US" smtClean="0"/>
-              <a:t>1/17/2025</a:t>
+              <a:t>1/20/2025</a:t>
             </a:fld>
             <a:endParaRPr lang="en-US"/>
           </a:p>
@@ -763,7 +763,7 @@
           <a:p>
             <a:fld id="{4AEAE896-FE0A-44A7-8C3D-0612BC5F150D}" type="datetimeFigureOut">
               <a:rPr lang="en-US" smtClean="0"/>
-              <a:t>1/17/2025</a:t>
+              <a:t>1/20/2025</a:t>
             </a:fld>
             <a:endParaRPr lang="en-US"/>
           </a:p>
@@ -1009,7 +1009,7 @@
           <a:p>
             <a:fld id="{4AEAE896-FE0A-44A7-8C3D-0612BC5F150D}" type="datetimeFigureOut">
               <a:rPr lang="en-US" smtClean="0"/>
-              <a:t>1/17/2025</a:t>
+              <a:t>1/20/2025</a:t>
             </a:fld>
             <a:endParaRPr lang="en-US"/>
           </a:p>
@@ -1241,7 +1241,7 @@
           <a:p>
             <a:fld id="{4AEAE896-FE0A-44A7-8C3D-0612BC5F150D}" type="datetimeFigureOut">
               <a:rPr lang="en-US" smtClean="0"/>
-              <a:t>1/17/2025</a:t>
+              <a:t>1/20/2025</a:t>
             </a:fld>
             <a:endParaRPr lang="en-US"/>
           </a:p>
@@ -1608,7 +1608,7 @@
           <a:p>
             <a:fld id="{4AEAE896-FE0A-44A7-8C3D-0612BC5F150D}" type="datetimeFigureOut">
               <a:rPr lang="en-US" smtClean="0"/>
-              <a:t>1/17/2025</a:t>
+              <a:t>1/20/2025</a:t>
             </a:fld>
             <a:endParaRPr lang="en-US"/>
           </a:p>
@@ -1726,7 +1726,7 @@
           <a:p>
             <a:fld id="{4AEAE896-FE0A-44A7-8C3D-0612BC5F150D}" type="datetimeFigureOut">
               <a:rPr lang="en-US" smtClean="0"/>
-              <a:t>1/17/2025</a:t>
+              <a:t>1/20/2025</a:t>
             </a:fld>
             <a:endParaRPr lang="en-US"/>
           </a:p>
@@ -1821,7 +1821,7 @@
           <a:p>
             <a:fld id="{4AEAE896-FE0A-44A7-8C3D-0612BC5F150D}" type="datetimeFigureOut">
               <a:rPr lang="en-US" smtClean="0"/>
-              <a:t>1/17/2025</a:t>
+              <a:t>1/20/2025</a:t>
             </a:fld>
             <a:endParaRPr lang="en-US"/>
           </a:p>
@@ -2098,7 +2098,7 @@
           <a:p>
             <a:fld id="{4AEAE896-FE0A-44A7-8C3D-0612BC5F150D}" type="datetimeFigureOut">
               <a:rPr lang="en-US" smtClean="0"/>
-              <a:t>1/17/2025</a:t>
+              <a:t>1/20/2025</a:t>
             </a:fld>
             <a:endParaRPr lang="en-US"/>
           </a:p>
@@ -2355,7 +2355,7 @@
           <a:p>
             <a:fld id="{4AEAE896-FE0A-44A7-8C3D-0612BC5F150D}" type="datetimeFigureOut">
               <a:rPr lang="en-US" smtClean="0"/>
-              <a:t>1/17/2025</a:t>
+              <a:t>1/20/2025</a:t>
             </a:fld>
             <a:endParaRPr lang="en-US"/>
           </a:p>
@@ -2568,7 +2568,7 @@
           <a:p>
             <a:fld id="{4AEAE896-FE0A-44A7-8C3D-0612BC5F150D}" type="datetimeFigureOut">
               <a:rPr lang="en-US" smtClean="0"/>
-              <a:t>1/17/2025</a:t>
+              <a:t>1/20/2025</a:t>
             </a:fld>
             <a:endParaRPr lang="en-US"/>
           </a:p>
@@ -3126,7 +3126,8 @@
             <a:solidFill>
               <a:srgbClr val="C00000"/>
             </a:solidFill>
-            <a:tailEnd type="triangle"/>
+            <a:headEnd type="triangle" w="med" len="med"/>
+            <a:tailEnd type="none" w="med" len="med"/>
           </a:ln>
         </p:spPr>
         <p:style>
@@ -3261,7 +3262,8 @@
             <a:solidFill>
               <a:srgbClr val="FFC000"/>
             </a:solidFill>
-            <a:tailEnd type="triangle"/>
+            <a:headEnd type="triangle" w="med" len="med"/>
+            <a:tailEnd type="none" w="med" len="med"/>
           </a:ln>
         </p:spPr>
         <p:style>
@@ -3396,7 +3398,8 @@
             <a:solidFill>
               <a:srgbClr val="00B050"/>
             </a:solidFill>
-            <a:tailEnd type="triangle"/>
+            <a:headEnd type="triangle" w="med" len="med"/>
+            <a:tailEnd type="none" w="med" len="med"/>
           </a:ln>
         </p:spPr>
         <p:style>
@@ -3531,7 +3534,8 @@
             <a:solidFill>
               <a:srgbClr val="00B050"/>
             </a:solidFill>
-            <a:tailEnd type="triangle"/>
+            <a:headEnd type="triangle" w="med" len="med"/>
+            <a:tailEnd type="none" w="med" len="med"/>
           </a:ln>
         </p:spPr>
         <p:style>
